--- a/TP AL.pptx
+++ b/TP AL.pptx
@@ -260,7 +260,7 @@
           <a:p>
             <a:fld id="{C86B1F4C-1057-442C-BF93-4531CDBF8E45}" type="datetimeFigureOut">
               <a:rPr lang="fr-FR" smtClean="0"/>
-              <a:t>07/02/2021</a:t>
+              <a:t>10/02/2021</a:t>
             </a:fld>
             <a:endParaRPr lang="fr-FR"/>
           </a:p>
@@ -458,7 +458,7 @@
           <a:p>
             <a:fld id="{C86B1F4C-1057-442C-BF93-4531CDBF8E45}" type="datetimeFigureOut">
               <a:rPr lang="fr-FR" smtClean="0"/>
-              <a:t>07/02/2021</a:t>
+              <a:t>10/02/2021</a:t>
             </a:fld>
             <a:endParaRPr lang="fr-FR"/>
           </a:p>
@@ -666,7 +666,7 @@
           <a:p>
             <a:fld id="{C86B1F4C-1057-442C-BF93-4531CDBF8E45}" type="datetimeFigureOut">
               <a:rPr lang="fr-FR" smtClean="0"/>
-              <a:t>07/02/2021</a:t>
+              <a:t>10/02/2021</a:t>
             </a:fld>
             <a:endParaRPr lang="fr-FR"/>
           </a:p>
@@ -864,7 +864,7 @@
           <a:p>
             <a:fld id="{C86B1F4C-1057-442C-BF93-4531CDBF8E45}" type="datetimeFigureOut">
               <a:rPr lang="fr-FR" smtClean="0"/>
-              <a:t>07/02/2021</a:t>
+              <a:t>10/02/2021</a:t>
             </a:fld>
             <a:endParaRPr lang="fr-FR"/>
           </a:p>
@@ -1139,7 +1139,7 @@
           <a:p>
             <a:fld id="{C86B1F4C-1057-442C-BF93-4531CDBF8E45}" type="datetimeFigureOut">
               <a:rPr lang="fr-FR" smtClean="0"/>
-              <a:t>07/02/2021</a:t>
+              <a:t>10/02/2021</a:t>
             </a:fld>
             <a:endParaRPr lang="fr-FR"/>
           </a:p>
@@ -1404,7 +1404,7 @@
           <a:p>
             <a:fld id="{C86B1F4C-1057-442C-BF93-4531CDBF8E45}" type="datetimeFigureOut">
               <a:rPr lang="fr-FR" smtClean="0"/>
-              <a:t>07/02/2021</a:t>
+              <a:t>10/02/2021</a:t>
             </a:fld>
             <a:endParaRPr lang="fr-FR"/>
           </a:p>
@@ -1816,7 +1816,7 @@
           <a:p>
             <a:fld id="{C86B1F4C-1057-442C-BF93-4531CDBF8E45}" type="datetimeFigureOut">
               <a:rPr lang="fr-FR" smtClean="0"/>
-              <a:t>07/02/2021</a:t>
+              <a:t>10/02/2021</a:t>
             </a:fld>
             <a:endParaRPr lang="fr-FR"/>
           </a:p>
@@ -1957,7 +1957,7 @@
           <a:p>
             <a:fld id="{C86B1F4C-1057-442C-BF93-4531CDBF8E45}" type="datetimeFigureOut">
               <a:rPr lang="fr-FR" smtClean="0"/>
-              <a:t>07/02/2021</a:t>
+              <a:t>10/02/2021</a:t>
             </a:fld>
             <a:endParaRPr lang="fr-FR"/>
           </a:p>
@@ -2070,7 +2070,7 @@
           <a:p>
             <a:fld id="{C86B1F4C-1057-442C-BF93-4531CDBF8E45}" type="datetimeFigureOut">
               <a:rPr lang="fr-FR" smtClean="0"/>
-              <a:t>07/02/2021</a:t>
+              <a:t>10/02/2021</a:t>
             </a:fld>
             <a:endParaRPr lang="fr-FR"/>
           </a:p>
@@ -2381,7 +2381,7 @@
           <a:p>
             <a:fld id="{C86B1F4C-1057-442C-BF93-4531CDBF8E45}" type="datetimeFigureOut">
               <a:rPr lang="fr-FR" smtClean="0"/>
-              <a:t>07/02/2021</a:t>
+              <a:t>10/02/2021</a:t>
             </a:fld>
             <a:endParaRPr lang="fr-FR"/>
           </a:p>
@@ -2669,7 +2669,7 @@
           <a:p>
             <a:fld id="{C86B1F4C-1057-442C-BF93-4531CDBF8E45}" type="datetimeFigureOut">
               <a:rPr lang="fr-FR" smtClean="0"/>
-              <a:t>07/02/2021</a:t>
+              <a:t>10/02/2021</a:t>
             </a:fld>
             <a:endParaRPr lang="fr-FR"/>
           </a:p>
@@ -2910,7 +2910,7 @@
           <a:p>
             <a:fld id="{C86B1F4C-1057-442C-BF93-4531CDBF8E45}" type="datetimeFigureOut">
               <a:rPr lang="fr-FR" smtClean="0"/>
-              <a:t>07/02/2021</a:t>
+              <a:t>10/02/2021</a:t>
             </a:fld>
             <a:endParaRPr lang="fr-FR"/>
           </a:p>
@@ -4335,10 +4335,10 @@
       </p:cxnSp>
       <p:sp>
         <p:nvSpPr>
-          <p:cNvPr id="70" name="Rectangle 69">
-            <a:extLst>
-              <a:ext uri="{FF2B5EF4-FFF2-40B4-BE49-F238E27FC236}">
-                <a16:creationId xmlns:a16="http://schemas.microsoft.com/office/drawing/2014/main" id="{B5336644-A826-4DF7-B135-48B4203AE3EF}"/>
+          <p:cNvPr id="71" name="Rectangle 70">
+            <a:extLst>
+              <a:ext uri="{FF2B5EF4-FFF2-40B4-BE49-F238E27FC236}">
+                <a16:creationId xmlns:a16="http://schemas.microsoft.com/office/drawing/2014/main" id="{DC92ECD9-2864-4C49-B2AA-0B8F8BE4E04D}"/>
               </a:ext>
             </a:extLst>
           </p:cNvPr>
@@ -4347,68 +4347,7 @@
         </p:nvSpPr>
         <p:spPr>
           <a:xfrm>
-            <a:off x="7270812" y="1074198"/>
-            <a:ext cx="2086252" cy="1740023"/>
-          </a:xfrm>
-          <a:prstGeom prst="rect">
-            <a:avLst/>
-          </a:prstGeom>
-        </p:spPr>
-        <p:style>
-          <a:lnRef idx="2">
-            <a:schemeClr val="accent1">
-              <a:shade val="50000"/>
-            </a:schemeClr>
-          </a:lnRef>
-          <a:fillRef idx="1">
-            <a:schemeClr val="accent1"/>
-          </a:fillRef>
-          <a:effectRef idx="0">
-            <a:schemeClr val="accent1"/>
-          </a:effectRef>
-          <a:fontRef idx="minor">
-            <a:schemeClr val="lt1"/>
-          </a:fontRef>
-        </p:style>
-        <p:txBody>
-          <a:bodyPr rtlCol="0" anchor="ctr"/>
-          <a:lstStyle/>
-          <a:p>
-            <a:pPr algn="ctr"/>
-            <a:r>
-              <a:rPr lang="fr-FR" dirty="0" err="1"/>
-              <a:t>Transactionnal</a:t>
-            </a:r>
-            <a:r>
-              <a:rPr lang="fr-FR" dirty="0"/>
-              <a:t> </a:t>
-            </a:r>
-            <a:r>
-              <a:rPr lang="fr-FR" dirty="0" err="1"/>
-              <a:t>outbox</a:t>
-            </a:r>
-            <a:r>
-              <a:rPr lang="fr-FR" dirty="0"/>
-              <a:t> pattern</a:t>
-            </a:r>
-          </a:p>
-        </p:txBody>
-      </p:sp>
-      <p:sp>
-        <p:nvSpPr>
-          <p:cNvPr id="71" name="Rectangle 70">
-            <a:extLst>
-              <a:ext uri="{FF2B5EF4-FFF2-40B4-BE49-F238E27FC236}">
-                <a16:creationId xmlns:a16="http://schemas.microsoft.com/office/drawing/2014/main" id="{DC92ECD9-2864-4C49-B2AA-0B8F8BE4E04D}"/>
-              </a:ext>
-            </a:extLst>
-          </p:cNvPr>
-          <p:cNvSpPr/>
-          <p:nvPr/>
-        </p:nvSpPr>
-        <p:spPr>
-          <a:xfrm>
-            <a:off x="5282214" y="5131294"/>
+            <a:off x="5948039" y="1958540"/>
             <a:ext cx="3977196" cy="1475874"/>
           </a:xfrm>
           <a:prstGeom prst="rect">
